--- a/Insu Tracker Prototype presentation.pptx
+++ b/Insu Tracker Prototype presentation.pptx
@@ -215,7 +215,7 @@
           <a:p>
             <a:fld id="{EB9B2E28-8918-4C27-A1B3-C4226A51AF48}" type="datetimeFigureOut">
               <a:rPr lang="en-US" smtClean="0"/>
-              <a:t>5/7/2020</a:t>
+              <a:t>6/5/2020</a:t>
             </a:fld>
             <a:endParaRPr lang="en-US"/>
           </a:p>
@@ -279,38 +279,37 @@
           <a:p>
             <a:pPr lvl="0"/>
             <a:r>
-              <a:rPr lang="en-US" smtClean="0"/>
+              <a:rPr lang="en-US"/>
               <a:t>Edit Master text styles</a:t>
             </a:r>
           </a:p>
           <a:p>
             <a:pPr lvl="1"/>
             <a:r>
-              <a:rPr lang="en-US" smtClean="0"/>
+              <a:rPr lang="en-US"/>
               <a:t>Second level</a:t>
             </a:r>
           </a:p>
           <a:p>
             <a:pPr lvl="2"/>
             <a:r>
-              <a:rPr lang="en-US" smtClean="0"/>
+              <a:rPr lang="en-US"/>
               <a:t>Third level</a:t>
             </a:r>
           </a:p>
           <a:p>
             <a:pPr lvl="3"/>
             <a:r>
-              <a:rPr lang="en-US" smtClean="0"/>
+              <a:rPr lang="en-US"/>
               <a:t>Fourth level</a:t>
             </a:r>
           </a:p>
           <a:p>
             <a:pPr lvl="4"/>
             <a:r>
-              <a:rPr lang="en-US" smtClean="0"/>
+              <a:rPr lang="en-US"/>
               <a:t>Fifth level</a:t>
             </a:r>
-            <a:endParaRPr lang="en-US"/>
           </a:p>
         </p:txBody>
       </p:sp>
@@ -569,7 +568,7 @@
           </a:lstStyle>
           <a:p>
             <a:r>
-              <a:rPr lang="en-US" smtClean="0"/>
+              <a:rPr lang="en-US"/>
               <a:t>Click to edit Master title style</a:t>
             </a:r>
             <a:endParaRPr lang="en-US" dirty="0"/>
@@ -688,7 +687,7 @@
           </a:lstStyle>
           <a:p>
             <a:r>
-              <a:rPr lang="en-US" smtClean="0"/>
+              <a:rPr lang="en-US"/>
               <a:t>Click to edit Master subtitle style</a:t>
             </a:r>
             <a:endParaRPr lang="en-US" dirty="0"/>
@@ -729,7 +728,7 @@
             <a:fld id="{B61BEF0D-F0BB-DE4B-95CE-6DB70DBA9567}" type="datetimeFigureOut">
               <a:rPr lang="en-US" dirty="0"/>
               <a:pPr/>
-              <a:t>5/7/2020</a:t>
+              <a:t>6/5/2020</a:t>
             </a:fld>
             <a:endParaRPr lang="en-US" dirty="0"/>
           </a:p>
@@ -895,7 +894,7 @@
           <a:lstStyle/>
           <a:p>
             <a:r>
-              <a:rPr lang="en-US" smtClean="0"/>
+              <a:rPr lang="en-US"/>
               <a:t>Click to edit Master title style</a:t>
             </a:r>
             <a:endParaRPr lang="en-US" dirty="0"/>
@@ -935,35 +934,35 @@
           <a:p>
             <a:pPr lvl="0"/>
             <a:r>
-              <a:rPr lang="en-US" smtClean="0"/>
+              <a:rPr lang="en-US"/>
               <a:t>Edit Master text styles</a:t>
             </a:r>
           </a:p>
           <a:p>
             <a:pPr lvl="1"/>
             <a:r>
-              <a:rPr lang="en-US" smtClean="0"/>
+              <a:rPr lang="en-US"/>
               <a:t>Second level</a:t>
             </a:r>
           </a:p>
           <a:p>
             <a:pPr lvl="2"/>
             <a:r>
-              <a:rPr lang="en-US" smtClean="0"/>
+              <a:rPr lang="en-US"/>
               <a:t>Third level</a:t>
             </a:r>
           </a:p>
           <a:p>
             <a:pPr lvl="3"/>
             <a:r>
-              <a:rPr lang="en-US" smtClean="0"/>
+              <a:rPr lang="en-US"/>
               <a:t>Fourth level</a:t>
             </a:r>
           </a:p>
           <a:p>
             <a:pPr lvl="4"/>
             <a:r>
-              <a:rPr lang="en-US" smtClean="0"/>
+              <a:rPr lang="en-US"/>
               <a:t>Fifth level</a:t>
             </a:r>
             <a:endParaRPr lang="en-US" dirty="0"/>
@@ -988,7 +987,7 @@
             <a:fld id="{B61BEF0D-F0BB-DE4B-95CE-6DB70DBA9567}" type="datetimeFigureOut">
               <a:rPr lang="en-US" dirty="0"/>
               <a:pPr/>
-              <a:t>5/7/2020</a:t>
+              <a:t>6/5/2020</a:t>
             </a:fld>
             <a:endParaRPr lang="en-US" dirty="0"/>
           </a:p>
@@ -1122,7 +1121,7 @@
           <a:lstStyle/>
           <a:p>
             <a:r>
-              <a:rPr lang="en-US" smtClean="0"/>
+              <a:rPr lang="en-US"/>
               <a:t>Click to edit Master title style</a:t>
             </a:r>
             <a:endParaRPr lang="en-US" dirty="0"/>
@@ -1151,35 +1150,35 @@
           <a:p>
             <a:pPr lvl="0"/>
             <a:r>
-              <a:rPr lang="en-US" smtClean="0"/>
+              <a:rPr lang="en-US"/>
               <a:t>Edit Master text styles</a:t>
             </a:r>
           </a:p>
           <a:p>
             <a:pPr lvl="1"/>
             <a:r>
-              <a:rPr lang="en-US" smtClean="0"/>
+              <a:rPr lang="en-US"/>
               <a:t>Second level</a:t>
             </a:r>
           </a:p>
           <a:p>
             <a:pPr lvl="2"/>
             <a:r>
-              <a:rPr lang="en-US" smtClean="0"/>
+              <a:rPr lang="en-US"/>
               <a:t>Third level</a:t>
             </a:r>
           </a:p>
           <a:p>
             <a:pPr lvl="3"/>
             <a:r>
-              <a:rPr lang="en-US" smtClean="0"/>
+              <a:rPr lang="en-US"/>
               <a:t>Fourth level</a:t>
             </a:r>
           </a:p>
           <a:p>
             <a:pPr lvl="4"/>
             <a:r>
-              <a:rPr lang="en-US" smtClean="0"/>
+              <a:rPr lang="en-US"/>
               <a:t>Fifth level</a:t>
             </a:r>
             <a:endParaRPr lang="en-US" dirty="0"/>
@@ -1220,7 +1219,7 @@
             <a:fld id="{B61BEF0D-F0BB-DE4B-95CE-6DB70DBA9567}" type="datetimeFigureOut">
               <a:rPr lang="en-US" dirty="0"/>
               <a:pPr/>
-              <a:t>5/7/2020</a:t>
+              <a:t>6/5/2020</a:t>
             </a:fld>
             <a:endParaRPr lang="en-US" dirty="0"/>
           </a:p>
@@ -1375,7 +1374,7 @@
           <a:lstStyle/>
           <a:p>
             <a:r>
-              <a:rPr lang="en-US" smtClean="0"/>
+              <a:rPr lang="en-US"/>
               <a:t>Click to edit Master title style</a:t>
             </a:r>
             <a:endParaRPr lang="en-US" dirty="0"/>
@@ -1404,35 +1403,35 @@
           <a:p>
             <a:pPr lvl="0"/>
             <a:r>
-              <a:rPr lang="en-US" smtClean="0"/>
+              <a:rPr lang="en-US"/>
               <a:t>Edit Master text styles</a:t>
             </a:r>
           </a:p>
           <a:p>
             <a:pPr lvl="1"/>
             <a:r>
-              <a:rPr lang="en-US" smtClean="0"/>
+              <a:rPr lang="en-US"/>
               <a:t>Second level</a:t>
             </a:r>
           </a:p>
           <a:p>
             <a:pPr lvl="2"/>
             <a:r>
-              <a:rPr lang="en-US" smtClean="0"/>
+              <a:rPr lang="en-US"/>
               <a:t>Third level</a:t>
             </a:r>
           </a:p>
           <a:p>
             <a:pPr lvl="3"/>
             <a:r>
-              <a:rPr lang="en-US" smtClean="0"/>
+              <a:rPr lang="en-US"/>
               <a:t>Fourth level</a:t>
             </a:r>
           </a:p>
           <a:p>
             <a:pPr lvl="4"/>
             <a:r>
-              <a:rPr lang="en-US" smtClean="0"/>
+              <a:rPr lang="en-US"/>
               <a:t>Fifth level</a:t>
             </a:r>
             <a:endParaRPr lang="en-US" dirty="0"/>
@@ -1457,7 +1456,7 @@
             <a:fld id="{B61BEF0D-F0BB-DE4B-95CE-6DB70DBA9567}" type="datetimeFigureOut">
               <a:rPr lang="en-US" dirty="0"/>
               <a:pPr/>
-              <a:t>5/7/2020</a:t>
+              <a:t>6/5/2020</a:t>
             </a:fld>
             <a:endParaRPr lang="en-US" dirty="0"/>
           </a:p>
@@ -1606,7 +1605,7 @@
           </a:lstStyle>
           <a:p>
             <a:r>
-              <a:rPr lang="en-US" smtClean="0"/>
+              <a:rPr lang="en-US"/>
               <a:t>Click to edit Master title style</a:t>
             </a:r>
             <a:endParaRPr lang="en-US" dirty="0"/>
@@ -1726,7 +1725,7 @@
           <a:p>
             <a:pPr lvl="0"/>
             <a:r>
-              <a:rPr lang="en-US" smtClean="0"/>
+              <a:rPr lang="en-US"/>
               <a:t>Edit Master text styles</a:t>
             </a:r>
           </a:p>
@@ -1761,7 +1760,7 @@
             <a:fld id="{B61BEF0D-F0BB-DE4B-95CE-6DB70DBA9567}" type="datetimeFigureOut">
               <a:rPr lang="en-US" dirty="0"/>
               <a:pPr/>
-              <a:t>5/7/2020</a:t>
+              <a:t>6/5/2020</a:t>
             </a:fld>
             <a:endParaRPr lang="en-US" dirty="0"/>
           </a:p>
@@ -1917,7 +1916,7 @@
           <a:lstStyle/>
           <a:p>
             <a:r>
-              <a:rPr lang="en-US" smtClean="0"/>
+              <a:rPr lang="en-US"/>
               <a:t>Click to edit Master title style</a:t>
             </a:r>
             <a:endParaRPr lang="en-US" dirty="0"/>
@@ -1948,35 +1947,35 @@
           <a:p>
             <a:pPr lvl="0"/>
             <a:r>
-              <a:rPr lang="en-US" smtClean="0"/>
+              <a:rPr lang="en-US"/>
               <a:t>Edit Master text styles</a:t>
             </a:r>
           </a:p>
           <a:p>
             <a:pPr lvl="1"/>
             <a:r>
-              <a:rPr lang="en-US" smtClean="0"/>
+              <a:rPr lang="en-US"/>
               <a:t>Second level</a:t>
             </a:r>
           </a:p>
           <a:p>
             <a:pPr lvl="2"/>
             <a:r>
-              <a:rPr lang="en-US" smtClean="0"/>
+              <a:rPr lang="en-US"/>
               <a:t>Third level</a:t>
             </a:r>
           </a:p>
           <a:p>
             <a:pPr lvl="3"/>
             <a:r>
-              <a:rPr lang="en-US" smtClean="0"/>
+              <a:rPr lang="en-US"/>
               <a:t>Fourth level</a:t>
             </a:r>
           </a:p>
           <a:p>
             <a:pPr lvl="4"/>
             <a:r>
-              <a:rPr lang="en-US" smtClean="0"/>
+              <a:rPr lang="en-US"/>
               <a:t>Fifth level</a:t>
             </a:r>
             <a:endParaRPr lang="en-US" dirty="0"/>
@@ -2007,35 +2006,35 @@
           <a:p>
             <a:pPr lvl="0"/>
             <a:r>
-              <a:rPr lang="en-US" smtClean="0"/>
+              <a:rPr lang="en-US"/>
               <a:t>Edit Master text styles</a:t>
             </a:r>
           </a:p>
           <a:p>
             <a:pPr lvl="1"/>
             <a:r>
-              <a:rPr lang="en-US" smtClean="0"/>
+              <a:rPr lang="en-US"/>
               <a:t>Second level</a:t>
             </a:r>
           </a:p>
           <a:p>
             <a:pPr lvl="2"/>
             <a:r>
-              <a:rPr lang="en-US" smtClean="0"/>
+              <a:rPr lang="en-US"/>
               <a:t>Third level</a:t>
             </a:r>
           </a:p>
           <a:p>
             <a:pPr lvl="3"/>
             <a:r>
-              <a:rPr lang="en-US" smtClean="0"/>
+              <a:rPr lang="en-US"/>
               <a:t>Fourth level</a:t>
             </a:r>
           </a:p>
           <a:p>
             <a:pPr lvl="4"/>
             <a:r>
-              <a:rPr lang="en-US" smtClean="0"/>
+              <a:rPr lang="en-US"/>
               <a:t>Fifth level</a:t>
             </a:r>
             <a:endParaRPr lang="en-US" dirty="0"/>
@@ -2060,7 +2059,7 @@
             <a:fld id="{B61BEF0D-F0BB-DE4B-95CE-6DB70DBA9567}" type="datetimeFigureOut">
               <a:rPr lang="en-US" dirty="0"/>
               <a:pPr/>
-              <a:t>5/7/2020</a:t>
+              <a:t>6/5/2020</a:t>
             </a:fld>
             <a:endParaRPr lang="en-US" dirty="0"/>
           </a:p>
@@ -2194,7 +2193,7 @@
           <a:lstStyle/>
           <a:p>
             <a:r>
-              <a:rPr lang="en-US" smtClean="0"/>
+              <a:rPr lang="en-US"/>
               <a:t>Click to edit Master title style</a:t>
             </a:r>
             <a:endParaRPr lang="en-US" dirty="0"/>
@@ -2266,7 +2265,7 @@
           <a:p>
             <a:pPr lvl="0"/>
             <a:r>
-              <a:rPr lang="en-US" smtClean="0"/>
+              <a:rPr lang="en-US"/>
               <a:t>Edit Master text styles</a:t>
             </a:r>
           </a:p>
@@ -2296,35 +2295,35 @@
           <a:p>
             <a:pPr lvl="0"/>
             <a:r>
-              <a:rPr lang="en-US" smtClean="0"/>
+              <a:rPr lang="en-US"/>
               <a:t>Edit Master text styles</a:t>
             </a:r>
           </a:p>
           <a:p>
             <a:pPr lvl="1"/>
             <a:r>
-              <a:rPr lang="en-US" smtClean="0"/>
+              <a:rPr lang="en-US"/>
               <a:t>Second level</a:t>
             </a:r>
           </a:p>
           <a:p>
             <a:pPr lvl="2"/>
             <a:r>
-              <a:rPr lang="en-US" smtClean="0"/>
+              <a:rPr lang="en-US"/>
               <a:t>Third level</a:t>
             </a:r>
           </a:p>
           <a:p>
             <a:pPr lvl="3"/>
             <a:r>
-              <a:rPr lang="en-US" smtClean="0"/>
+              <a:rPr lang="en-US"/>
               <a:t>Fourth level</a:t>
             </a:r>
           </a:p>
           <a:p>
             <a:pPr lvl="4"/>
             <a:r>
-              <a:rPr lang="en-US" smtClean="0"/>
+              <a:rPr lang="en-US"/>
               <a:t>Fifth level</a:t>
             </a:r>
             <a:endParaRPr lang="en-US" dirty="0"/>
@@ -2396,7 +2395,7 @@
           <a:p>
             <a:pPr lvl="0"/>
             <a:r>
-              <a:rPr lang="en-US" smtClean="0"/>
+              <a:rPr lang="en-US"/>
               <a:t>Edit Master text styles</a:t>
             </a:r>
           </a:p>
@@ -2426,35 +2425,35 @@
           <a:p>
             <a:pPr lvl="0"/>
             <a:r>
-              <a:rPr lang="en-US" smtClean="0"/>
+              <a:rPr lang="en-US"/>
               <a:t>Edit Master text styles</a:t>
             </a:r>
           </a:p>
           <a:p>
             <a:pPr lvl="1"/>
             <a:r>
-              <a:rPr lang="en-US" smtClean="0"/>
+              <a:rPr lang="en-US"/>
               <a:t>Second level</a:t>
             </a:r>
           </a:p>
           <a:p>
             <a:pPr lvl="2"/>
             <a:r>
-              <a:rPr lang="en-US" smtClean="0"/>
+              <a:rPr lang="en-US"/>
               <a:t>Third level</a:t>
             </a:r>
           </a:p>
           <a:p>
             <a:pPr lvl="3"/>
             <a:r>
-              <a:rPr lang="en-US" smtClean="0"/>
+              <a:rPr lang="en-US"/>
               <a:t>Fourth level</a:t>
             </a:r>
           </a:p>
           <a:p>
             <a:pPr lvl="4"/>
             <a:r>
-              <a:rPr lang="en-US" smtClean="0"/>
+              <a:rPr lang="en-US"/>
               <a:t>Fifth level</a:t>
             </a:r>
             <a:endParaRPr lang="en-US" dirty="0"/>
@@ -2479,7 +2478,7 @@
             <a:fld id="{B61BEF0D-F0BB-DE4B-95CE-6DB70DBA9567}" type="datetimeFigureOut">
               <a:rPr lang="en-US" dirty="0"/>
               <a:pPr/>
-              <a:t>5/7/2020</a:t>
+              <a:t>6/5/2020</a:t>
             </a:fld>
             <a:endParaRPr lang="en-US" dirty="0"/>
           </a:p>
@@ -2613,7 +2612,7 @@
           <a:lstStyle/>
           <a:p>
             <a:r>
-              <a:rPr lang="en-US" smtClean="0"/>
+              <a:rPr lang="en-US"/>
               <a:t>Click to edit Master title style</a:t>
             </a:r>
             <a:endParaRPr lang="en-US" dirty="0"/>
@@ -2638,7 +2637,7 @@
             <a:fld id="{B61BEF0D-F0BB-DE4B-95CE-6DB70DBA9567}" type="datetimeFigureOut">
               <a:rPr lang="en-US" dirty="0"/>
               <a:pPr/>
-              <a:t>5/7/2020</a:t>
+              <a:t>6/5/2020</a:t>
             </a:fld>
             <a:endParaRPr lang="en-US" dirty="0"/>
           </a:p>
@@ -2730,7 +2729,7 @@
             <a:fld id="{B61BEF0D-F0BB-DE4B-95CE-6DB70DBA9567}" type="datetimeFigureOut">
               <a:rPr lang="en-US" dirty="0"/>
               <a:pPr/>
-              <a:t>5/7/2020</a:t>
+              <a:t>6/5/2020</a:t>
             </a:fld>
             <a:endParaRPr lang="en-US" dirty="0"/>
           </a:p>
@@ -2875,7 +2874,7 @@
           </a:lstStyle>
           <a:p>
             <a:r>
-              <a:rPr lang="en-US" smtClean="0"/>
+              <a:rPr lang="en-US"/>
               <a:t>Click to edit Master title style</a:t>
             </a:r>
             <a:endParaRPr lang="en-US" dirty="0"/>
@@ -2970,35 +2969,35 @@
           <a:p>
             <a:pPr lvl="0"/>
             <a:r>
-              <a:rPr lang="en-US" smtClean="0"/>
+              <a:rPr lang="en-US"/>
               <a:t>Edit Master text styles</a:t>
             </a:r>
           </a:p>
           <a:p>
             <a:pPr lvl="1"/>
             <a:r>
-              <a:rPr lang="en-US" smtClean="0"/>
+              <a:rPr lang="en-US"/>
               <a:t>Second level</a:t>
             </a:r>
           </a:p>
           <a:p>
             <a:pPr lvl="2"/>
             <a:r>
-              <a:rPr lang="en-US" smtClean="0"/>
+              <a:rPr lang="en-US"/>
               <a:t>Third level</a:t>
             </a:r>
           </a:p>
           <a:p>
             <a:pPr lvl="3"/>
             <a:r>
-              <a:rPr lang="en-US" smtClean="0"/>
+              <a:rPr lang="en-US"/>
               <a:t>Fourth level</a:t>
             </a:r>
           </a:p>
           <a:p>
             <a:pPr lvl="4"/>
             <a:r>
-              <a:rPr lang="en-US" smtClean="0"/>
+              <a:rPr lang="en-US"/>
               <a:t>Fifth level</a:t>
             </a:r>
             <a:endParaRPr lang="en-US" dirty="0"/>
@@ -3070,7 +3069,7 @@
           <a:p>
             <a:pPr lvl="0"/>
             <a:r>
-              <a:rPr lang="en-US" smtClean="0"/>
+              <a:rPr lang="en-US"/>
               <a:t>Edit Master text styles</a:t>
             </a:r>
           </a:p>
@@ -3105,7 +3104,7 @@
             <a:fld id="{B61BEF0D-F0BB-DE4B-95CE-6DB70DBA9567}" type="datetimeFigureOut">
               <a:rPr lang="en-US" dirty="0"/>
               <a:pPr/>
-              <a:t>5/7/2020</a:t>
+              <a:t>6/5/2020</a:t>
             </a:fld>
             <a:endParaRPr lang="en-US" dirty="0"/>
           </a:p>
@@ -3232,7 +3231,7 @@
           </a:lstStyle>
           <a:p>
             <a:r>
-              <a:rPr lang="en-US" smtClean="0"/>
+              <a:rPr lang="en-US"/>
               <a:t>Click to edit Master title style</a:t>
             </a:r>
             <a:endParaRPr lang="en-US" dirty="0"/>
@@ -3299,10 +3298,9 @@
           </a:lstStyle>
           <a:p>
             <a:r>
-              <a:rPr lang="en-US" dirty="0" smtClean="0"/>
+              <a:rPr lang="en-US" dirty="0"/>
               <a:t>Click icon to add picture</a:t>
             </a:r>
-            <a:endParaRPr lang="en-US" dirty="0"/>
           </a:p>
         </p:txBody>
       </p:sp>
@@ -3367,7 +3365,7 @@
           <a:p>
             <a:pPr lvl="0"/>
             <a:r>
-              <a:rPr lang="en-US" smtClean="0"/>
+              <a:rPr lang="en-US"/>
               <a:t>Edit Master text styles</a:t>
             </a:r>
           </a:p>
@@ -3391,7 +3389,7 @@
             <a:fld id="{B61BEF0D-F0BB-DE4B-95CE-6DB70DBA9567}" type="datetimeFigureOut">
               <a:rPr lang="en-US" dirty="0"/>
               <a:pPr/>
-              <a:t>5/7/2020</a:t>
+              <a:t>6/5/2020</a:t>
             </a:fld>
             <a:endParaRPr lang="en-US" dirty="0"/>
           </a:p>
@@ -3496,7 +3494,7 @@
           <a:lstStyle/>
           <a:p>
             <a:r>
-              <a:rPr lang="en-US" smtClean="0"/>
+              <a:rPr lang="en-US"/>
               <a:t>Click to edit Master title style</a:t>
             </a:r>
             <a:endParaRPr lang="en-US" dirty="0"/>
@@ -3530,35 +3528,35 @@
           <a:p>
             <a:pPr lvl="0"/>
             <a:r>
-              <a:rPr lang="en-US" smtClean="0"/>
+              <a:rPr lang="en-US"/>
               <a:t>Edit Master text styles</a:t>
             </a:r>
           </a:p>
           <a:p>
             <a:pPr lvl="1"/>
             <a:r>
-              <a:rPr lang="en-US" smtClean="0"/>
+              <a:rPr lang="en-US"/>
               <a:t>Second level</a:t>
             </a:r>
           </a:p>
           <a:p>
             <a:pPr lvl="2"/>
             <a:r>
-              <a:rPr lang="en-US" smtClean="0"/>
+              <a:rPr lang="en-US"/>
               <a:t>Third level</a:t>
             </a:r>
           </a:p>
           <a:p>
             <a:pPr lvl="3"/>
             <a:r>
-              <a:rPr lang="en-US" smtClean="0"/>
+              <a:rPr lang="en-US"/>
               <a:t>Fourth level</a:t>
             </a:r>
           </a:p>
           <a:p>
             <a:pPr lvl="4"/>
             <a:r>
-              <a:rPr lang="en-US" smtClean="0"/>
+              <a:rPr lang="en-US"/>
               <a:t>Fifth level</a:t>
             </a:r>
             <a:endParaRPr lang="en-US" dirty="0"/>
@@ -3599,7 +3597,7 @@
             <a:fld id="{B61BEF0D-F0BB-DE4B-95CE-6DB70DBA9567}" type="datetimeFigureOut">
               <a:rPr lang="en-US" dirty="0"/>
               <a:pPr/>
-              <a:t>5/7/2020</a:t>
+              <a:t>6/5/2020</a:t>
             </a:fld>
             <a:endParaRPr lang="en-US" dirty="0"/>
           </a:p>
@@ -4212,7 +4210,7 @@
           <a:lstStyle/>
           <a:p>
             <a:r>
-              <a:rPr lang="en-US" dirty="0" smtClean="0"/>
+              <a:rPr lang="en-US" dirty="0"/>
               <a:t>INSU TRACKER</a:t>
             </a:r>
             <a:endParaRPr lang="en-GB" dirty="0"/>
@@ -4240,284 +4238,9 @@
           <a:lstStyle/>
           <a:p>
             <a:r>
-              <a:rPr lang="en-GB" dirty="0" smtClean="0"/>
+              <a:rPr lang="en-GB" dirty="0"/>
               <a:t>Usage based motor insurance</a:t>
             </a:r>
-            <a:endParaRPr lang="en-GB" dirty="0"/>
-          </a:p>
-        </p:txBody>
-      </p:sp>
-      <p:sp>
-        <p:nvSpPr>
-          <p:cNvPr id="4" name="Content Placeholder 2"/>
-          <p:cNvSpPr txBox="1">
-            <a:spLocks/>
-          </p:cNvSpPr>
-          <p:nvPr/>
-        </p:nvSpPr>
-        <p:spPr>
-          <a:xfrm>
-            <a:off x="581191" y="5253232"/>
-            <a:ext cx="11029615" cy="1204013"/>
-          </a:xfrm>
-          <a:prstGeom prst="rect">
-            <a:avLst/>
-          </a:prstGeom>
-        </p:spPr>
-        <p:txBody>
-          <a:bodyPr vert="horz" lIns="91440" tIns="45720" rIns="91440" bIns="45720" rtlCol="0" anchor="t">
-            <a:normAutofit/>
-          </a:bodyPr>
-          <a:lstStyle>
-            <a:lvl1pPr marL="0" indent="0" algn="l" defTabSz="457200" rtl="0" eaLnBrk="1" latinLnBrk="0" hangingPunct="1">
-              <a:spcBef>
-                <a:spcPct val="20000"/>
-              </a:spcBef>
-              <a:spcAft>
-                <a:spcPts val="600"/>
-              </a:spcAft>
-              <a:buClr>
-                <a:schemeClr val="accent2"/>
-              </a:buClr>
-              <a:buSzPct val="92000"/>
-              <a:buFont typeface="Wingdings 2" panose="05020102010507070707" pitchFamily="18" charset="2"/>
-              <a:buNone/>
-              <a:defRPr sz="1600" kern="1200" cap="all">
-                <a:solidFill>
-                  <a:schemeClr val="accent2"/>
-                </a:solidFill>
-                <a:latin typeface="+mn-lt"/>
-                <a:ea typeface="+mn-ea"/>
-                <a:cs typeface="+mn-cs"/>
-              </a:defRPr>
-            </a:lvl1pPr>
-            <a:lvl2pPr marL="457200" indent="0" algn="ctr" defTabSz="457200" rtl="0" eaLnBrk="1" latinLnBrk="0" hangingPunct="1">
-              <a:spcBef>
-                <a:spcPct val="20000"/>
-              </a:spcBef>
-              <a:spcAft>
-                <a:spcPts val="600"/>
-              </a:spcAft>
-              <a:buClr>
-                <a:schemeClr val="accent2"/>
-              </a:buClr>
-              <a:buSzPct val="92000"/>
-              <a:buFont typeface="Wingdings 2" panose="05020102010507070707" pitchFamily="18" charset="2"/>
-              <a:buNone/>
-              <a:defRPr sz="1600" kern="1200">
-                <a:solidFill>
-                  <a:schemeClr val="tx1">
-                    <a:tint val="75000"/>
-                  </a:schemeClr>
-                </a:solidFill>
-                <a:latin typeface="+mn-lt"/>
-                <a:ea typeface="+mn-ea"/>
-                <a:cs typeface="+mn-cs"/>
-              </a:defRPr>
-            </a:lvl2pPr>
-            <a:lvl3pPr marL="914400" indent="0" algn="ctr" defTabSz="457200" rtl="0" eaLnBrk="1" latinLnBrk="0" hangingPunct="1">
-              <a:spcBef>
-                <a:spcPct val="20000"/>
-              </a:spcBef>
-              <a:spcAft>
-                <a:spcPts val="600"/>
-              </a:spcAft>
-              <a:buClr>
-                <a:schemeClr val="accent2"/>
-              </a:buClr>
-              <a:buSzPct val="92000"/>
-              <a:buFont typeface="Wingdings 2" panose="05020102010507070707" pitchFamily="18" charset="2"/>
-              <a:buNone/>
-              <a:defRPr sz="1400" kern="1200">
-                <a:solidFill>
-                  <a:schemeClr val="tx1">
-                    <a:tint val="75000"/>
-                  </a:schemeClr>
-                </a:solidFill>
-                <a:latin typeface="+mn-lt"/>
-                <a:ea typeface="+mn-ea"/>
-                <a:cs typeface="+mn-cs"/>
-              </a:defRPr>
-            </a:lvl3pPr>
-            <a:lvl4pPr marL="1371600" indent="0" algn="ctr" defTabSz="457200" rtl="0" eaLnBrk="1" latinLnBrk="0" hangingPunct="1">
-              <a:spcBef>
-                <a:spcPct val="20000"/>
-              </a:spcBef>
-              <a:spcAft>
-                <a:spcPts val="600"/>
-              </a:spcAft>
-              <a:buClr>
-                <a:schemeClr val="accent2"/>
-              </a:buClr>
-              <a:buSzPct val="92000"/>
-              <a:buFont typeface="Wingdings 2" panose="05020102010507070707" pitchFamily="18" charset="2"/>
-              <a:buNone/>
-              <a:defRPr sz="1200" kern="1200">
-                <a:solidFill>
-                  <a:schemeClr val="tx1">
-                    <a:tint val="75000"/>
-                  </a:schemeClr>
-                </a:solidFill>
-                <a:latin typeface="+mn-lt"/>
-                <a:ea typeface="+mn-ea"/>
-                <a:cs typeface="+mn-cs"/>
-              </a:defRPr>
-            </a:lvl4pPr>
-            <a:lvl5pPr marL="1828800" indent="0" algn="ctr" defTabSz="457200" rtl="0" eaLnBrk="1" latinLnBrk="0" hangingPunct="1">
-              <a:spcBef>
-                <a:spcPct val="20000"/>
-              </a:spcBef>
-              <a:spcAft>
-                <a:spcPts val="600"/>
-              </a:spcAft>
-              <a:buClr>
-                <a:schemeClr val="accent2"/>
-              </a:buClr>
-              <a:buSzPct val="92000"/>
-              <a:buFont typeface="Wingdings 2" panose="05020102010507070707" pitchFamily="18" charset="2"/>
-              <a:buNone/>
-              <a:defRPr sz="1200" kern="1200">
-                <a:solidFill>
-                  <a:schemeClr val="tx1">
-                    <a:tint val="75000"/>
-                  </a:schemeClr>
-                </a:solidFill>
-                <a:latin typeface="+mn-lt"/>
-                <a:ea typeface="+mn-ea"/>
-                <a:cs typeface="+mn-cs"/>
-              </a:defRPr>
-            </a:lvl5pPr>
-            <a:lvl6pPr marL="2286000" indent="0" algn="ctr" defTabSz="457200" rtl="0" eaLnBrk="1" latinLnBrk="0" hangingPunct="1">
-              <a:spcBef>
-                <a:spcPct val="20000"/>
-              </a:spcBef>
-              <a:spcAft>
-                <a:spcPts val="600"/>
-              </a:spcAft>
-              <a:buClr>
-                <a:schemeClr val="accent2"/>
-              </a:buClr>
-              <a:buSzPct val="92000"/>
-              <a:buFont typeface="Wingdings 2" panose="05020102010507070707" pitchFamily="18" charset="2"/>
-              <a:buNone/>
-              <a:defRPr sz="1200" kern="1200">
-                <a:solidFill>
-                  <a:schemeClr val="tx1">
-                    <a:tint val="75000"/>
-                  </a:schemeClr>
-                </a:solidFill>
-                <a:latin typeface="+mn-lt"/>
-                <a:ea typeface="+mn-ea"/>
-                <a:cs typeface="+mn-cs"/>
-              </a:defRPr>
-            </a:lvl6pPr>
-            <a:lvl7pPr marL="2743200" indent="0" algn="ctr" defTabSz="457200" rtl="0" eaLnBrk="1" latinLnBrk="0" hangingPunct="1">
-              <a:spcBef>
-                <a:spcPct val="20000"/>
-              </a:spcBef>
-              <a:spcAft>
-                <a:spcPts val="600"/>
-              </a:spcAft>
-              <a:buClr>
-                <a:schemeClr val="accent2"/>
-              </a:buClr>
-              <a:buSzPct val="92000"/>
-              <a:buFont typeface="Wingdings 2" panose="05020102010507070707" pitchFamily="18" charset="2"/>
-              <a:buNone/>
-              <a:defRPr sz="1200" kern="1200">
-                <a:solidFill>
-                  <a:schemeClr val="tx1">
-                    <a:tint val="75000"/>
-                  </a:schemeClr>
-                </a:solidFill>
-                <a:latin typeface="+mn-lt"/>
-                <a:ea typeface="+mn-ea"/>
-                <a:cs typeface="+mn-cs"/>
-              </a:defRPr>
-            </a:lvl7pPr>
-            <a:lvl8pPr marL="3200400" indent="0" algn="ctr" defTabSz="457200" rtl="0" eaLnBrk="1" latinLnBrk="0" hangingPunct="1">
-              <a:spcBef>
-                <a:spcPct val="20000"/>
-              </a:spcBef>
-              <a:spcAft>
-                <a:spcPts val="600"/>
-              </a:spcAft>
-              <a:buClr>
-                <a:schemeClr val="accent2"/>
-              </a:buClr>
-              <a:buSzPct val="92000"/>
-              <a:buFont typeface="Wingdings 2" panose="05020102010507070707" pitchFamily="18" charset="2"/>
-              <a:buNone/>
-              <a:defRPr sz="1200" kern="1200">
-                <a:solidFill>
-                  <a:schemeClr val="tx1">
-                    <a:tint val="75000"/>
-                  </a:schemeClr>
-                </a:solidFill>
-                <a:latin typeface="+mn-lt"/>
-                <a:ea typeface="+mn-ea"/>
-                <a:cs typeface="+mn-cs"/>
-              </a:defRPr>
-            </a:lvl8pPr>
-            <a:lvl9pPr marL="3657600" indent="0" algn="ctr" defTabSz="457200" rtl="0" eaLnBrk="1" latinLnBrk="0" hangingPunct="1">
-              <a:spcBef>
-                <a:spcPct val="20000"/>
-              </a:spcBef>
-              <a:spcAft>
-                <a:spcPts val="600"/>
-              </a:spcAft>
-              <a:buClr>
-                <a:schemeClr val="accent2"/>
-              </a:buClr>
-              <a:buSzPct val="92000"/>
-              <a:buFont typeface="Wingdings 2" panose="05020102010507070707" pitchFamily="18" charset="2"/>
-              <a:buNone/>
-              <a:defRPr sz="1200" kern="1200">
-                <a:solidFill>
-                  <a:schemeClr val="tx1">
-                    <a:tint val="75000"/>
-                  </a:schemeClr>
-                </a:solidFill>
-                <a:latin typeface="+mn-lt"/>
-                <a:ea typeface="+mn-ea"/>
-                <a:cs typeface="+mn-cs"/>
-              </a:defRPr>
-            </a:lvl9pPr>
-          </a:lstStyle>
-          <a:p>
-            <a:r>
-              <a:rPr lang="en-US" dirty="0" smtClean="0">
-                <a:solidFill>
-                  <a:schemeClr val="bg2"/>
-                </a:solidFill>
-              </a:rPr>
-              <a:t>BY</a:t>
-            </a:r>
-          </a:p>
-          <a:p>
-            <a:r>
-              <a:rPr lang="en-US" dirty="0" smtClean="0">
-                <a:solidFill>
-                  <a:schemeClr val="bg2"/>
-                </a:solidFill>
-              </a:rPr>
-              <a:t>Kavitha selvasenakurukkal</a:t>
-            </a:r>
-          </a:p>
-          <a:p>
-            <a:r>
-              <a:rPr lang="en-US" dirty="0" smtClean="0">
-                <a:solidFill>
-                  <a:schemeClr val="bg2"/>
-                </a:solidFill>
-              </a:rPr>
-              <a:t>2015555</a:t>
-            </a:r>
-            <a:endParaRPr lang="en-GB" dirty="0">
-              <a:solidFill>
-                <a:schemeClr val="bg2"/>
-              </a:solidFill>
-            </a:endParaRPr>
           </a:p>
         </p:txBody>
       </p:sp>
@@ -4531,13 +4254,6 @@
   <p:clrMapOvr>
     <a:masterClrMapping/>
   </p:clrMapOvr>
-  <p:timing>
-    <p:tnLst>
-      <p:par>
-        <p:cTn id="1" dur="indefinite" restart="never" nodeType="tmRoot"/>
-      </p:par>
-    </p:tnLst>
-  </p:timing>
 </p:sld>
 </file>
 
@@ -4598,13 +4314,6 @@
   <p:clrMapOvr>
     <a:masterClrMapping/>
   </p:clrMapOvr>
-  <p:timing>
-    <p:tnLst>
-      <p:par>
-        <p:cTn id="1" dur="indefinite" restart="never" nodeType="tmRoot"/>
-      </p:par>
-    </p:tnLst>
-  </p:timing>
 </p:sld>
 </file>
 
@@ -4849,13 +4558,6 @@
   <p:clrMapOvr>
     <a:masterClrMapping/>
   </p:clrMapOvr>
-  <p:timing>
-    <p:tnLst>
-      <p:par>
-        <p:cTn id="1" dur="indefinite" restart="never" nodeType="tmRoot"/>
-      </p:par>
-    </p:tnLst>
-  </p:timing>
 </p:sld>
 </file>
 
@@ -5100,13 +4802,6 @@
   <p:clrMapOvr>
     <a:masterClrMapping/>
   </p:clrMapOvr>
-  <p:timing>
-    <p:tnLst>
-      <p:par>
-        <p:cTn id="1" dur="indefinite" restart="never" nodeType="tmRoot"/>
-      </p:par>
-    </p:tnLst>
-  </p:timing>
 </p:sld>
 </file>
 
@@ -5351,13 +5046,6 @@
   <p:clrMapOvr>
     <a:masterClrMapping/>
   </p:clrMapOvr>
-  <p:timing>
-    <p:tnLst>
-      <p:par>
-        <p:cTn id="1" dur="indefinite" restart="never" nodeType="tmRoot"/>
-      </p:par>
-    </p:tnLst>
-  </p:timing>
 </p:sld>
 </file>
 
@@ -5418,13 +5106,6 @@
   <p:clrMapOvr>
     <a:masterClrMapping/>
   </p:clrMapOvr>
-  <p:timing>
-    <p:tnLst>
-      <p:par>
-        <p:cTn id="1" dur="indefinite" restart="never" nodeType="tmRoot"/>
-      </p:par>
-    </p:tnLst>
-  </p:timing>
 </p:sld>
 </file>
 
@@ -5706,7 +5387,7 @@
           <a:p>
             <a:pPr algn="ctr"/>
             <a:r>
-              <a:rPr lang="en-US" dirty="0" smtClean="0"/>
+              <a:rPr lang="en-US" dirty="0"/>
               <a:t>PROTOTYPE DEMONSTRATION</a:t>
             </a:r>
             <a:endParaRPr lang="en-GB" dirty="0"/>
@@ -5809,7 +5490,7 @@
           <a:p>
             <a:pPr algn="ctr"/>
             <a:r>
-              <a:rPr lang="en-US" dirty="0" smtClean="0">
+              <a:rPr lang="en-US" dirty="0">
                 <a:solidFill>
                   <a:schemeClr val="tx1"/>
                 </a:solidFill>
@@ -5834,13 +5515,6 @@
   <p:clrMapOvr>
     <a:masterClrMapping/>
   </p:clrMapOvr>
-  <p:timing>
-    <p:tnLst>
-      <p:par>
-        <p:cTn id="1" dur="indefinite" restart="never" nodeType="tmRoot"/>
-      </p:par>
-    </p:tnLst>
-  </p:timing>
 </p:sld>
 </file>
 
@@ -5901,13 +5575,6 @@
   <p:clrMapOvr>
     <a:masterClrMapping/>
   </p:clrMapOvr>
-  <p:timing>
-    <p:tnLst>
-      <p:par>
-        <p:cTn id="1" dur="indefinite" restart="never" nodeType="tmRoot"/>
-      </p:par>
-    </p:tnLst>
-  </p:timing>
 </p:sld>
 </file>
 
@@ -5968,13 +5635,6 @@
   <p:clrMapOvr>
     <a:masterClrMapping/>
   </p:clrMapOvr>
-  <p:timing>
-    <p:tnLst>
-      <p:par>
-        <p:cTn id="1" dur="indefinite" restart="never" nodeType="tmRoot"/>
-      </p:par>
-    </p:tnLst>
-  </p:timing>
 </p:sld>
 </file>
 
@@ -6035,13 +5695,6 @@
   <p:clrMapOvr>
     <a:masterClrMapping/>
   </p:clrMapOvr>
-  <p:timing>
-    <p:tnLst>
-      <p:par>
-        <p:cTn id="1" dur="indefinite" restart="never" nodeType="tmRoot"/>
-      </p:par>
-    </p:tnLst>
-  </p:timing>
 </p:sld>
 </file>
 
@@ -6102,13 +5755,6 @@
   <p:clrMapOvr>
     <a:masterClrMapping/>
   </p:clrMapOvr>
-  <p:timing>
-    <p:tnLst>
-      <p:par>
-        <p:cTn id="1" dur="indefinite" restart="never" nodeType="tmRoot"/>
-      </p:par>
-    </p:tnLst>
-  </p:timing>
 </p:sld>
 </file>
 
@@ -6169,13 +5815,6 @@
   <p:clrMapOvr>
     <a:masterClrMapping/>
   </p:clrMapOvr>
-  <p:timing>
-    <p:tnLst>
-      <p:par>
-        <p:cTn id="1" dur="indefinite" restart="never" nodeType="tmRoot"/>
-      </p:par>
-    </p:tnLst>
-  </p:timing>
 </p:sld>
 </file>
 
@@ -6335,13 +5974,6 @@
   <p:clrMapOvr>
     <a:masterClrMapping/>
   </p:clrMapOvr>
-  <p:timing>
-    <p:tnLst>
-      <p:par>
-        <p:cTn id="1" dur="indefinite" restart="never" nodeType="tmRoot"/>
-      </p:par>
-    </p:tnLst>
-  </p:timing>
 </p:sld>
 </file>
 
